--- a/project_text/fig/states.pptx
+++ b/project_text/fig/states.pptx
@@ -6,6 +6,7 @@
   </p:sldMasterIdLst>
   <p:sldIdLst>
     <p:sldId id="256" r:id="rId2"/>
+    <p:sldId id="257" r:id="rId3"/>
   </p:sldIdLst>
   <p:sldSz cx="12192000" cy="6858000"/>
   <p:notesSz cx="6858000" cy="9144000"/>
@@ -104,6 +105,11 @@
       </a:defRPr>
     </a:lvl9pPr>
   </p:defaultTextStyle>
+  <p:extLst>
+    <p:ext uri="{EFAFB233-063F-42B5-8137-9DF3F51BA10A}">
+      <p15:sldGuideLst xmlns:p15="http://schemas.microsoft.com/office/powerpoint/2012/main"/>
+    </p:ext>
+  </p:extLst>
 </p:presentation>
 </file>
 
@@ -256,7 +262,7 @@
           <a:p>
             <a:fld id="{CC637E12-E285-46FA-93F6-1EC1CF25654F}" type="datetimeFigureOut">
               <a:rPr lang="en-US" smtClean="0"/>
-              <a:t>4/23/2020</a:t>
+              <a:t>5/27/2020</a:t>
             </a:fld>
             <a:endParaRPr lang="en-US"/>
           </a:p>
@@ -456,7 +462,7 @@
           <a:p>
             <a:fld id="{CC637E12-E285-46FA-93F6-1EC1CF25654F}" type="datetimeFigureOut">
               <a:rPr lang="en-US" smtClean="0"/>
-              <a:t>4/23/2020</a:t>
+              <a:t>5/27/2020</a:t>
             </a:fld>
             <a:endParaRPr lang="en-US"/>
           </a:p>
@@ -666,7 +672,7 @@
           <a:p>
             <a:fld id="{CC637E12-E285-46FA-93F6-1EC1CF25654F}" type="datetimeFigureOut">
               <a:rPr lang="en-US" smtClean="0"/>
-              <a:t>4/23/2020</a:t>
+              <a:t>5/27/2020</a:t>
             </a:fld>
             <a:endParaRPr lang="en-US"/>
           </a:p>
@@ -866,7 +872,7 @@
           <a:p>
             <a:fld id="{CC637E12-E285-46FA-93F6-1EC1CF25654F}" type="datetimeFigureOut">
               <a:rPr lang="en-US" smtClean="0"/>
-              <a:t>4/23/2020</a:t>
+              <a:t>5/27/2020</a:t>
             </a:fld>
             <a:endParaRPr lang="en-US"/>
           </a:p>
@@ -1142,7 +1148,7 @@
           <a:p>
             <a:fld id="{CC637E12-E285-46FA-93F6-1EC1CF25654F}" type="datetimeFigureOut">
               <a:rPr lang="en-US" smtClean="0"/>
-              <a:t>4/23/2020</a:t>
+              <a:t>5/27/2020</a:t>
             </a:fld>
             <a:endParaRPr lang="en-US"/>
           </a:p>
@@ -1410,7 +1416,7 @@
           <a:p>
             <a:fld id="{CC637E12-E285-46FA-93F6-1EC1CF25654F}" type="datetimeFigureOut">
               <a:rPr lang="en-US" smtClean="0"/>
-              <a:t>4/23/2020</a:t>
+              <a:t>5/27/2020</a:t>
             </a:fld>
             <a:endParaRPr lang="en-US"/>
           </a:p>
@@ -1825,7 +1831,7 @@
           <a:p>
             <a:fld id="{CC637E12-E285-46FA-93F6-1EC1CF25654F}" type="datetimeFigureOut">
               <a:rPr lang="en-US" smtClean="0"/>
-              <a:t>4/23/2020</a:t>
+              <a:t>5/27/2020</a:t>
             </a:fld>
             <a:endParaRPr lang="en-US"/>
           </a:p>
@@ -1967,7 +1973,7 @@
           <a:p>
             <a:fld id="{CC637E12-E285-46FA-93F6-1EC1CF25654F}" type="datetimeFigureOut">
               <a:rPr lang="en-US" smtClean="0"/>
-              <a:t>4/23/2020</a:t>
+              <a:t>5/27/2020</a:t>
             </a:fld>
             <a:endParaRPr lang="en-US"/>
           </a:p>
@@ -2080,7 +2086,7 @@
           <a:p>
             <a:fld id="{CC637E12-E285-46FA-93F6-1EC1CF25654F}" type="datetimeFigureOut">
               <a:rPr lang="en-US" smtClean="0"/>
-              <a:t>4/23/2020</a:t>
+              <a:t>5/27/2020</a:t>
             </a:fld>
             <a:endParaRPr lang="en-US"/>
           </a:p>
@@ -2393,7 +2399,7 @@
           <a:p>
             <a:fld id="{CC637E12-E285-46FA-93F6-1EC1CF25654F}" type="datetimeFigureOut">
               <a:rPr lang="en-US" smtClean="0"/>
-              <a:t>4/23/2020</a:t>
+              <a:t>5/27/2020</a:t>
             </a:fld>
             <a:endParaRPr lang="en-US"/>
           </a:p>
@@ -2682,7 +2688,7 @@
           <a:p>
             <a:fld id="{CC637E12-E285-46FA-93F6-1EC1CF25654F}" type="datetimeFigureOut">
               <a:rPr lang="en-US" smtClean="0"/>
-              <a:t>4/23/2020</a:t>
+              <a:t>5/27/2020</a:t>
             </a:fld>
             <a:endParaRPr lang="en-US"/>
           </a:p>
@@ -2925,7 +2931,7 @@
           <a:p>
             <a:fld id="{CC637E12-E285-46FA-93F6-1EC1CF25654F}" type="datetimeFigureOut">
               <a:rPr lang="en-US" smtClean="0"/>
-              <a:t>4/23/2020</a:t>
+              <a:t>5/27/2020</a:t>
             </a:fld>
             <a:endParaRPr lang="en-US"/>
           </a:p>
@@ -6036,6 +6042,746 @@
 </p:sld>
 </file>
 
+<file path=ppt/slides/slide2.xml><?xml version="1.0" encoding="utf-8"?>
+<p:sld xmlns:a="http://schemas.openxmlformats.org/drawingml/2006/main" xmlns:r="http://schemas.openxmlformats.org/officeDocument/2006/relationships" xmlns:p="http://schemas.openxmlformats.org/presentationml/2006/main">
+  <p:cSld>
+    <p:spTree>
+      <p:nvGrpSpPr>
+        <p:cNvPr id="1" name=""/>
+        <p:cNvGrpSpPr/>
+        <p:nvPr/>
+      </p:nvGrpSpPr>
+      <p:grpSpPr>
+        <a:xfrm>
+          <a:off x="0" y="0"/>
+          <a:ext cx="0" cy="0"/>
+          <a:chOff x="0" y="0"/>
+          <a:chExt cx="0" cy="0"/>
+        </a:xfrm>
+      </p:grpSpPr>
+      <p:sp>
+        <p:nvSpPr>
+          <p:cNvPr id="4" name="Rektangel 3">
+            <a:extLst>
+              <a:ext uri="{FF2B5EF4-FFF2-40B4-BE49-F238E27FC236}">
+                <a16:creationId xmlns:a16="http://schemas.microsoft.com/office/drawing/2014/main" id="{DC908C8F-43A3-4552-B4EB-043993B2F861}"/>
+              </a:ext>
+            </a:extLst>
+          </p:cNvPr>
+          <p:cNvSpPr/>
+          <p:nvPr/>
+        </p:nvSpPr>
+        <p:spPr>
+          <a:xfrm>
+            <a:off x="2028825" y="1533525"/>
+            <a:ext cx="3990975" cy="2514600"/>
+          </a:xfrm>
+          <a:prstGeom prst="rect">
+            <a:avLst/>
+          </a:prstGeom>
+          <a:solidFill>
+            <a:schemeClr val="bg1"/>
+          </a:solidFill>
+          <a:ln>
+            <a:solidFill>
+              <a:schemeClr val="bg1"/>
+            </a:solidFill>
+          </a:ln>
+        </p:spPr>
+        <p:style>
+          <a:lnRef idx="2">
+            <a:schemeClr val="accent1">
+              <a:shade val="50000"/>
+            </a:schemeClr>
+          </a:lnRef>
+          <a:fillRef idx="1">
+            <a:schemeClr val="accent1"/>
+          </a:fillRef>
+          <a:effectRef idx="0">
+            <a:schemeClr val="accent1"/>
+          </a:effectRef>
+          <a:fontRef idx="minor">
+            <a:schemeClr val="lt1"/>
+          </a:fontRef>
+        </p:style>
+        <p:txBody>
+          <a:bodyPr rtlCol="0" anchor="ctr"/>
+          <a:lstStyle/>
+          <a:p>
+            <a:pPr algn="ctr"/>
+            <a:endParaRPr lang="en-US"/>
+          </a:p>
+        </p:txBody>
+      </p:sp>
+      <p:pic>
+        <p:nvPicPr>
+          <p:cNvPr id="5" name="Bilde 4">
+            <a:extLst>
+              <a:ext uri="{FF2B5EF4-FFF2-40B4-BE49-F238E27FC236}">
+                <a16:creationId xmlns:a16="http://schemas.microsoft.com/office/drawing/2014/main" id="{1DA7A485-D412-442A-94D3-38F32FA03D76}"/>
+              </a:ext>
+            </a:extLst>
+          </p:cNvPr>
+          <p:cNvPicPr>
+            <a:picLocks noChangeAspect="1"/>
+          </p:cNvPicPr>
+          <p:nvPr/>
+        </p:nvPicPr>
+        <p:blipFill rotWithShape="1">
+          <a:blip r:embed="rId2">
+            <a:extLst>
+              <a:ext uri="{28A0092B-C50C-407E-A947-70E740481C1C}">
+                <a14:useLocalDpi xmlns:a14="http://schemas.microsoft.com/office/drawing/2010/main" val="0"/>
+              </a:ext>
+            </a:extLst>
+          </a:blip>
+          <a:srcRect l="26031" t="8972"/>
+          <a:stretch/>
+        </p:blipFill>
+        <p:spPr>
+          <a:xfrm>
+            <a:off x="2195661" y="1756477"/>
+            <a:ext cx="979463" cy="1309409"/>
+          </a:xfrm>
+          <a:prstGeom prst="rect">
+            <a:avLst/>
+          </a:prstGeom>
+        </p:spPr>
+      </p:pic>
+      <p:sp>
+        <p:nvSpPr>
+          <p:cNvPr id="6" name="Ellipse 5">
+            <a:extLst>
+              <a:ext uri="{FF2B5EF4-FFF2-40B4-BE49-F238E27FC236}">
+                <a16:creationId xmlns:a16="http://schemas.microsoft.com/office/drawing/2014/main" id="{10CDDF3D-A6B6-4391-9B82-376C47BE1FE9}"/>
+              </a:ext>
+            </a:extLst>
+          </p:cNvPr>
+          <p:cNvSpPr/>
+          <p:nvPr/>
+        </p:nvSpPr>
+        <p:spPr>
+          <a:xfrm>
+            <a:off x="2847012" y="2001778"/>
+            <a:ext cx="322412" cy="355345"/>
+          </a:xfrm>
+          <a:prstGeom prst="ellipse">
+            <a:avLst/>
+          </a:prstGeom>
+          <a:solidFill>
+            <a:schemeClr val="accent1">
+              <a:alpha val="50000"/>
+            </a:schemeClr>
+          </a:solidFill>
+          <a:ln>
+            <a:noFill/>
+          </a:ln>
+        </p:spPr>
+        <p:style>
+          <a:lnRef idx="0">
+            <a:scrgbClr r="0" g="0" b="0"/>
+          </a:lnRef>
+          <a:fillRef idx="0">
+            <a:scrgbClr r="0" g="0" b="0"/>
+          </a:fillRef>
+          <a:effectRef idx="0">
+            <a:scrgbClr r="0" g="0" b="0"/>
+          </a:effectRef>
+          <a:fontRef idx="minor">
+            <a:schemeClr val="lt1"/>
+          </a:fontRef>
+        </p:style>
+        <p:txBody>
+          <a:bodyPr rtlCol="0" anchor="ctr"/>
+          <a:lstStyle/>
+          <a:p>
+            <a:pPr algn="ctr"/>
+            <a:endParaRPr lang="en-US"/>
+          </a:p>
+        </p:txBody>
+      </p:sp>
+      <p:sp>
+        <p:nvSpPr>
+          <p:cNvPr id="7" name="Ellipse 6">
+            <a:extLst>
+              <a:ext uri="{FF2B5EF4-FFF2-40B4-BE49-F238E27FC236}">
+                <a16:creationId xmlns:a16="http://schemas.microsoft.com/office/drawing/2014/main" id="{424AE941-3EBA-4A37-8BAD-989B163DE05D}"/>
+              </a:ext>
+            </a:extLst>
+          </p:cNvPr>
+          <p:cNvSpPr/>
+          <p:nvPr/>
+        </p:nvSpPr>
+        <p:spPr>
+          <a:xfrm>
+            <a:off x="2904627" y="2376146"/>
+            <a:ext cx="322412" cy="355344"/>
+          </a:xfrm>
+          <a:prstGeom prst="ellipse">
+            <a:avLst/>
+          </a:prstGeom>
+          <a:solidFill>
+            <a:schemeClr val="accent2">
+              <a:alpha val="50000"/>
+            </a:schemeClr>
+          </a:solidFill>
+          <a:ln>
+            <a:noFill/>
+          </a:ln>
+        </p:spPr>
+        <p:style>
+          <a:lnRef idx="0">
+            <a:scrgbClr r="0" g="0" b="0"/>
+          </a:lnRef>
+          <a:fillRef idx="0">
+            <a:scrgbClr r="0" g="0" b="0"/>
+          </a:fillRef>
+          <a:effectRef idx="0">
+            <a:scrgbClr r="0" g="0" b="0"/>
+          </a:effectRef>
+          <a:fontRef idx="minor">
+            <a:schemeClr val="lt1"/>
+          </a:fontRef>
+        </p:style>
+        <p:txBody>
+          <a:bodyPr rtlCol="0" anchor="ctr"/>
+          <a:lstStyle/>
+          <a:p>
+            <a:pPr algn="ctr"/>
+            <a:endParaRPr lang="en-US"/>
+          </a:p>
+        </p:txBody>
+      </p:sp>
+      <p:sp>
+        <p:nvSpPr>
+          <p:cNvPr id="8" name="Ellipse 7">
+            <a:extLst>
+              <a:ext uri="{FF2B5EF4-FFF2-40B4-BE49-F238E27FC236}">
+                <a16:creationId xmlns:a16="http://schemas.microsoft.com/office/drawing/2014/main" id="{921B2798-5EBF-49DC-90FC-5BD7BCC442B1}"/>
+              </a:ext>
+            </a:extLst>
+          </p:cNvPr>
+          <p:cNvSpPr/>
+          <p:nvPr/>
+        </p:nvSpPr>
+        <p:spPr>
+          <a:xfrm>
+            <a:off x="2642517" y="2375523"/>
+            <a:ext cx="322412" cy="355344"/>
+          </a:xfrm>
+          <a:prstGeom prst="ellipse">
+            <a:avLst/>
+          </a:prstGeom>
+          <a:solidFill>
+            <a:schemeClr val="accent4">
+              <a:alpha val="50000"/>
+            </a:schemeClr>
+          </a:solidFill>
+          <a:ln>
+            <a:noFill/>
+          </a:ln>
+        </p:spPr>
+        <p:style>
+          <a:lnRef idx="0">
+            <a:scrgbClr r="0" g="0" b="0"/>
+          </a:lnRef>
+          <a:fillRef idx="0">
+            <a:scrgbClr r="0" g="0" b="0"/>
+          </a:fillRef>
+          <a:effectRef idx="0">
+            <a:scrgbClr r="0" g="0" b="0"/>
+          </a:effectRef>
+          <a:fontRef idx="minor">
+            <a:schemeClr val="lt1"/>
+          </a:fontRef>
+        </p:style>
+        <p:txBody>
+          <a:bodyPr rtlCol="0" anchor="ctr"/>
+          <a:lstStyle/>
+          <a:p>
+            <a:pPr algn="ctr"/>
+            <a:endParaRPr lang="en-US"/>
+          </a:p>
+        </p:txBody>
+      </p:sp>
+      <p:sp>
+        <p:nvSpPr>
+          <p:cNvPr id="9" name="TekstSylinder 8">
+            <a:extLst>
+              <a:ext uri="{FF2B5EF4-FFF2-40B4-BE49-F238E27FC236}">
+                <a16:creationId xmlns:a16="http://schemas.microsoft.com/office/drawing/2014/main" id="{BD89360B-FEC9-4270-A37D-604E591E279F}"/>
+              </a:ext>
+            </a:extLst>
+          </p:cNvPr>
+          <p:cNvSpPr txBox="1"/>
+          <p:nvPr/>
+        </p:nvSpPr>
+        <p:spPr>
+          <a:xfrm>
+            <a:off x="3489149" y="2085305"/>
+            <a:ext cx="2357306" cy="646331"/>
+          </a:xfrm>
+          <a:prstGeom prst="rect">
+            <a:avLst/>
+          </a:prstGeom>
+        </p:spPr>
+        <p:style>
+          <a:lnRef idx="2">
+            <a:schemeClr val="accent1"/>
+          </a:lnRef>
+          <a:fillRef idx="1">
+            <a:schemeClr val="lt1"/>
+          </a:fillRef>
+          <a:effectRef idx="0">
+            <a:schemeClr val="accent1"/>
+          </a:effectRef>
+          <a:fontRef idx="minor">
+            <a:schemeClr val="dk1"/>
+          </a:fontRef>
+        </p:style>
+        <p:txBody>
+          <a:bodyPr wrap="square" rtlCol="0">
+            <a:spAutoFit/>
+          </a:bodyPr>
+          <a:lstStyle/>
+          <a:p>
+            <a:r>
+              <a:rPr lang="en-US" dirty="0"/>
+              <a:t>Element in the inverse of the Slater Matrix</a:t>
+            </a:r>
+          </a:p>
+        </p:txBody>
+      </p:sp>
+      <p:sp>
+        <p:nvSpPr>
+          <p:cNvPr id="10" name="TekstSylinder 9">
+            <a:extLst>
+              <a:ext uri="{FF2B5EF4-FFF2-40B4-BE49-F238E27FC236}">
+                <a16:creationId xmlns:a16="http://schemas.microsoft.com/office/drawing/2014/main" id="{4B450C68-6D38-474C-AEB4-F14797CBFDC9}"/>
+              </a:ext>
+            </a:extLst>
+          </p:cNvPr>
+          <p:cNvSpPr txBox="1"/>
+          <p:nvPr/>
+        </p:nvSpPr>
+        <p:spPr>
+          <a:xfrm>
+            <a:off x="2195662" y="2975724"/>
+            <a:ext cx="1839501" cy="923330"/>
+          </a:xfrm>
+          <a:prstGeom prst="rect">
+            <a:avLst/>
+          </a:prstGeom>
+        </p:spPr>
+        <p:style>
+          <a:lnRef idx="2">
+            <a:schemeClr val="accent4"/>
+          </a:lnRef>
+          <a:fillRef idx="1">
+            <a:schemeClr val="lt1"/>
+          </a:fillRef>
+          <a:effectRef idx="0">
+            <a:schemeClr val="accent4"/>
+          </a:effectRef>
+          <a:fontRef idx="minor">
+            <a:schemeClr val="dk1"/>
+          </a:fontRef>
+        </p:style>
+        <p:txBody>
+          <a:bodyPr wrap="square" rtlCol="0">
+            <a:spAutoFit/>
+          </a:bodyPr>
+          <a:lstStyle/>
+          <a:p>
+            <a:r>
+              <a:rPr lang="en-US" dirty="0"/>
+              <a:t>Evaluated for the k-</a:t>
+            </a:r>
+            <a:r>
+              <a:rPr lang="en-US" dirty="0" err="1"/>
+              <a:t>th</a:t>
+            </a:r>
+            <a:r>
+              <a:rPr lang="en-US" dirty="0"/>
+              <a:t> particle at position </a:t>
+            </a:r>
+            <a:r>
+              <a:rPr lang="en-US" b="1" dirty="0" err="1"/>
+              <a:t>r</a:t>
+            </a:r>
+            <a:r>
+              <a:rPr lang="en-US" baseline="-25000" dirty="0" err="1"/>
+              <a:t>j</a:t>
+            </a:r>
+            <a:endParaRPr lang="en-US" baseline="-25000" dirty="0"/>
+          </a:p>
+        </p:txBody>
+      </p:sp>
+      <p:sp>
+        <p:nvSpPr>
+          <p:cNvPr id="11" name="TekstSylinder 10">
+            <a:extLst>
+              <a:ext uri="{FF2B5EF4-FFF2-40B4-BE49-F238E27FC236}">
+                <a16:creationId xmlns:a16="http://schemas.microsoft.com/office/drawing/2014/main" id="{26D37D28-7509-425F-B6CB-3F56E46C9CF8}"/>
+              </a:ext>
+            </a:extLst>
+          </p:cNvPr>
+          <p:cNvSpPr txBox="1"/>
+          <p:nvPr/>
+        </p:nvSpPr>
+        <p:spPr>
+          <a:xfrm>
+            <a:off x="4219022" y="2967335"/>
+            <a:ext cx="1616919" cy="923330"/>
+          </a:xfrm>
+          <a:prstGeom prst="rect">
+            <a:avLst/>
+          </a:prstGeom>
+          <a:ln>
+            <a:headEnd type="none" w="med" len="med"/>
+            <a:tailEnd type="none" w="med" len="med"/>
+          </a:ln>
+        </p:spPr>
+        <p:style>
+          <a:lnRef idx="2">
+            <a:schemeClr val="accent2"/>
+          </a:lnRef>
+          <a:fillRef idx="1">
+            <a:schemeClr val="lt1"/>
+          </a:fillRef>
+          <a:effectRef idx="0">
+            <a:schemeClr val="accent2"/>
+          </a:effectRef>
+          <a:fontRef idx="minor">
+            <a:schemeClr val="dk1"/>
+          </a:fontRef>
+        </p:style>
+        <p:txBody>
+          <a:bodyPr wrap="square" rtlCol="0">
+            <a:spAutoFit/>
+          </a:bodyPr>
+          <a:lstStyle/>
+          <a:p>
+            <a:r>
+              <a:rPr lang="en-US" dirty="0"/>
+              <a:t>The j-</a:t>
+            </a:r>
+            <a:r>
+              <a:rPr lang="en-US" dirty="0" err="1"/>
+              <a:t>th</a:t>
+            </a:r>
+            <a:r>
+              <a:rPr lang="en-US" dirty="0"/>
+              <a:t> single particle wavefunction</a:t>
+            </a:r>
+          </a:p>
+        </p:txBody>
+      </p:sp>
+      <p:sp>
+        <p:nvSpPr>
+          <p:cNvPr id="12" name="Frihåndsform: figur 11">
+            <a:extLst>
+              <a:ext uri="{FF2B5EF4-FFF2-40B4-BE49-F238E27FC236}">
+                <a16:creationId xmlns:a16="http://schemas.microsoft.com/office/drawing/2014/main" id="{FE8746E1-AC45-44A6-9942-9BAC8CFFC689}"/>
+              </a:ext>
+            </a:extLst>
+          </p:cNvPr>
+          <p:cNvSpPr/>
+          <p:nvPr/>
+        </p:nvSpPr>
+        <p:spPr>
+          <a:xfrm>
+            <a:off x="3120705" y="1761676"/>
+            <a:ext cx="637563" cy="234904"/>
+          </a:xfrm>
+          <a:custGeom>
+            <a:avLst/>
+            <a:gdLst>
+              <a:gd name="connsiteX0" fmla="*/ 0 w 637563"/>
+              <a:gd name="connsiteY0" fmla="*/ 226515 h 234904"/>
+              <a:gd name="connsiteX1" fmla="*/ 402671 w 637563"/>
+              <a:gd name="connsiteY1" fmla="*/ 12 h 234904"/>
+              <a:gd name="connsiteX2" fmla="*/ 637563 w 637563"/>
+              <a:gd name="connsiteY2" fmla="*/ 234904 h 234904"/>
+            </a:gdLst>
+            <a:ahLst/>
+            <a:cxnLst>
+              <a:cxn ang="0">
+                <a:pos x="connsiteX0" y="connsiteY0"/>
+              </a:cxn>
+              <a:cxn ang="0">
+                <a:pos x="connsiteX1" y="connsiteY1"/>
+              </a:cxn>
+              <a:cxn ang="0">
+                <a:pos x="connsiteX2" y="connsiteY2"/>
+              </a:cxn>
+            </a:cxnLst>
+            <a:rect l="l" t="t" r="r" b="b"/>
+            <a:pathLst>
+              <a:path w="637563" h="234904">
+                <a:moveTo>
+                  <a:pt x="0" y="226515"/>
+                </a:moveTo>
+                <a:cubicBezTo>
+                  <a:pt x="148205" y="112564"/>
+                  <a:pt x="296411" y="-1386"/>
+                  <a:pt x="402671" y="12"/>
+                </a:cubicBezTo>
+                <a:cubicBezTo>
+                  <a:pt x="508931" y="1410"/>
+                  <a:pt x="573247" y="118157"/>
+                  <a:pt x="637563" y="234904"/>
+                </a:cubicBezTo>
+              </a:path>
+            </a:pathLst>
+          </a:custGeom>
+          <a:ln>
+            <a:headEnd type="none" w="med" len="med"/>
+            <a:tailEnd type="arrow" w="med" len="med"/>
+          </a:ln>
+        </p:spPr>
+        <p:style>
+          <a:lnRef idx="1">
+            <a:schemeClr val="accent1"/>
+          </a:lnRef>
+          <a:fillRef idx="0">
+            <a:schemeClr val="accent1"/>
+          </a:fillRef>
+          <a:effectRef idx="0">
+            <a:schemeClr val="accent1"/>
+          </a:effectRef>
+          <a:fontRef idx="minor">
+            <a:schemeClr val="tx1"/>
+          </a:fontRef>
+        </p:style>
+        <p:txBody>
+          <a:bodyPr rtlCol="0" anchor="ctr"/>
+          <a:lstStyle/>
+          <a:p>
+            <a:pPr algn="ctr"/>
+            <a:endParaRPr lang="en-US"/>
+          </a:p>
+        </p:txBody>
+      </p:sp>
+      <p:sp>
+        <p:nvSpPr>
+          <p:cNvPr id="13" name="Frihåndsform: figur 12">
+            <a:extLst>
+              <a:ext uri="{FF2B5EF4-FFF2-40B4-BE49-F238E27FC236}">
+                <a16:creationId xmlns:a16="http://schemas.microsoft.com/office/drawing/2014/main" id="{625FE29D-CF34-4119-8BA7-D70D32E8B230}"/>
+              </a:ext>
+            </a:extLst>
+          </p:cNvPr>
+          <p:cNvSpPr/>
+          <p:nvPr/>
+        </p:nvSpPr>
+        <p:spPr>
+          <a:xfrm>
+            <a:off x="3212984" y="2701243"/>
+            <a:ext cx="1116584" cy="237982"/>
+          </a:xfrm>
+          <a:custGeom>
+            <a:avLst/>
+            <a:gdLst>
+              <a:gd name="connsiteX0" fmla="*/ 0 w 1023457"/>
+              <a:gd name="connsiteY0" fmla="*/ 0 h 184558"/>
+              <a:gd name="connsiteX1" fmla="*/ 369116 w 1023457"/>
+              <a:gd name="connsiteY1" fmla="*/ 151002 h 184558"/>
+              <a:gd name="connsiteX2" fmla="*/ 906011 w 1023457"/>
+              <a:gd name="connsiteY2" fmla="*/ 109057 h 184558"/>
+              <a:gd name="connsiteX3" fmla="*/ 1023457 w 1023457"/>
+              <a:gd name="connsiteY3" fmla="*/ 184558 h 184558"/>
+              <a:gd name="connsiteX0" fmla="*/ 0 w 1107347"/>
+              <a:gd name="connsiteY0" fmla="*/ 0 h 218114"/>
+              <a:gd name="connsiteX1" fmla="*/ 369116 w 1107347"/>
+              <a:gd name="connsiteY1" fmla="*/ 151002 h 218114"/>
+              <a:gd name="connsiteX2" fmla="*/ 906011 w 1107347"/>
+              <a:gd name="connsiteY2" fmla="*/ 109057 h 218114"/>
+              <a:gd name="connsiteX3" fmla="*/ 1107347 w 1107347"/>
+              <a:gd name="connsiteY3" fmla="*/ 218114 h 218114"/>
+              <a:gd name="connsiteX0" fmla="*/ 0 w 1116584"/>
+              <a:gd name="connsiteY0" fmla="*/ 0 h 220972"/>
+              <a:gd name="connsiteX1" fmla="*/ 369116 w 1116584"/>
+              <a:gd name="connsiteY1" fmla="*/ 151002 h 220972"/>
+              <a:gd name="connsiteX2" fmla="*/ 906011 w 1116584"/>
+              <a:gd name="connsiteY2" fmla="*/ 109057 h 220972"/>
+              <a:gd name="connsiteX3" fmla="*/ 1116584 w 1116584"/>
+              <a:gd name="connsiteY3" fmla="*/ 220972 h 220972"/>
+              <a:gd name="connsiteX0" fmla="*/ 0 w 1116584"/>
+              <a:gd name="connsiteY0" fmla="*/ 0 h 220972"/>
+              <a:gd name="connsiteX1" fmla="*/ 369116 w 1116584"/>
+              <a:gd name="connsiteY1" fmla="*/ 151002 h 220972"/>
+              <a:gd name="connsiteX2" fmla="*/ 906011 w 1116584"/>
+              <a:gd name="connsiteY2" fmla="*/ 109057 h 220972"/>
+              <a:gd name="connsiteX3" fmla="*/ 1116584 w 1116584"/>
+              <a:gd name="connsiteY3" fmla="*/ 220972 h 220972"/>
+            </a:gdLst>
+            <a:ahLst/>
+            <a:cxnLst>
+              <a:cxn ang="0">
+                <a:pos x="connsiteX0" y="connsiteY0"/>
+              </a:cxn>
+              <a:cxn ang="0">
+                <a:pos x="connsiteX1" y="connsiteY1"/>
+              </a:cxn>
+              <a:cxn ang="0">
+                <a:pos x="connsiteX2" y="connsiteY2"/>
+              </a:cxn>
+              <a:cxn ang="0">
+                <a:pos x="connsiteX3" y="connsiteY3"/>
+              </a:cxn>
+            </a:cxnLst>
+            <a:rect l="l" t="t" r="r" b="b"/>
+            <a:pathLst>
+              <a:path w="1116584" h="220972">
+                <a:moveTo>
+                  <a:pt x="0" y="0"/>
+                </a:moveTo>
+                <a:cubicBezTo>
+                  <a:pt x="109057" y="66413"/>
+                  <a:pt x="218114" y="132826"/>
+                  <a:pt x="369116" y="151002"/>
+                </a:cubicBezTo>
+                <a:cubicBezTo>
+                  <a:pt x="520118" y="169178"/>
+                  <a:pt x="796954" y="103464"/>
+                  <a:pt x="906011" y="109057"/>
+                </a:cubicBezTo>
+                <a:cubicBezTo>
+                  <a:pt x="1015068" y="114650"/>
+                  <a:pt x="1069286" y="160289"/>
+                  <a:pt x="1116584" y="220972"/>
+                </a:cubicBezTo>
+              </a:path>
+            </a:pathLst>
+          </a:custGeom>
+          <a:ln>
+            <a:headEnd type="none" w="med" len="med"/>
+            <a:tailEnd type="arrow" w="med" len="med"/>
+          </a:ln>
+        </p:spPr>
+        <p:style>
+          <a:lnRef idx="1">
+            <a:schemeClr val="accent2"/>
+          </a:lnRef>
+          <a:fillRef idx="0">
+            <a:schemeClr val="accent2"/>
+          </a:fillRef>
+          <a:effectRef idx="0">
+            <a:schemeClr val="accent2"/>
+          </a:effectRef>
+          <a:fontRef idx="minor">
+            <a:schemeClr val="tx1"/>
+          </a:fontRef>
+        </p:style>
+        <p:txBody>
+          <a:bodyPr rtlCol="0" anchor="ctr"/>
+          <a:lstStyle/>
+          <a:p>
+            <a:pPr algn="ctr"/>
+            <a:endParaRPr lang="en-US"/>
+          </a:p>
+        </p:txBody>
+      </p:sp>
+      <p:sp>
+        <p:nvSpPr>
+          <p:cNvPr id="14" name="Frihåndsform: figur 13">
+            <a:extLst>
+              <a:ext uri="{FF2B5EF4-FFF2-40B4-BE49-F238E27FC236}">
+                <a16:creationId xmlns:a16="http://schemas.microsoft.com/office/drawing/2014/main" id="{71CD1E29-3389-4D37-B893-68D7E432C887}"/>
+              </a:ext>
+            </a:extLst>
+          </p:cNvPr>
+          <p:cNvSpPr/>
+          <p:nvPr/>
+        </p:nvSpPr>
+        <p:spPr>
+          <a:xfrm>
+            <a:off x="2464711" y="2634143"/>
+            <a:ext cx="152654" cy="293615"/>
+          </a:xfrm>
+          <a:custGeom>
+            <a:avLst/>
+            <a:gdLst>
+              <a:gd name="connsiteX0" fmla="*/ 152654 w 152654"/>
+              <a:gd name="connsiteY0" fmla="*/ 0 h 293615"/>
+              <a:gd name="connsiteX1" fmla="*/ 1652 w 152654"/>
+              <a:gd name="connsiteY1" fmla="*/ 125835 h 293615"/>
+              <a:gd name="connsiteX2" fmla="*/ 85542 w 152654"/>
+              <a:gd name="connsiteY2" fmla="*/ 293615 h 293615"/>
+            </a:gdLst>
+            <a:ahLst/>
+            <a:cxnLst>
+              <a:cxn ang="0">
+                <a:pos x="connsiteX0" y="connsiteY0"/>
+              </a:cxn>
+              <a:cxn ang="0">
+                <a:pos x="connsiteX1" y="connsiteY1"/>
+              </a:cxn>
+              <a:cxn ang="0">
+                <a:pos x="connsiteX2" y="connsiteY2"/>
+              </a:cxn>
+            </a:cxnLst>
+            <a:rect l="l" t="t" r="r" b="b"/>
+            <a:pathLst>
+              <a:path w="152654" h="293615">
+                <a:moveTo>
+                  <a:pt x="152654" y="0"/>
+                </a:moveTo>
+                <a:cubicBezTo>
+                  <a:pt x="82745" y="38449"/>
+                  <a:pt x="12837" y="76899"/>
+                  <a:pt x="1652" y="125835"/>
+                </a:cubicBezTo>
+                <a:cubicBezTo>
+                  <a:pt x="-9533" y="174771"/>
+                  <a:pt x="38004" y="234193"/>
+                  <a:pt x="85542" y="293615"/>
+                </a:cubicBezTo>
+              </a:path>
+            </a:pathLst>
+          </a:custGeom>
+          <a:ln>
+            <a:headEnd type="none" w="med" len="med"/>
+            <a:tailEnd type="arrow" w="med" len="med"/>
+          </a:ln>
+        </p:spPr>
+        <p:style>
+          <a:lnRef idx="1">
+            <a:schemeClr val="accent4"/>
+          </a:lnRef>
+          <a:fillRef idx="0">
+            <a:schemeClr val="accent4"/>
+          </a:fillRef>
+          <a:effectRef idx="0">
+            <a:schemeClr val="accent4"/>
+          </a:effectRef>
+          <a:fontRef idx="minor">
+            <a:schemeClr val="tx1"/>
+          </a:fontRef>
+        </p:style>
+        <p:txBody>
+          <a:bodyPr rtlCol="0" anchor="ctr"/>
+          <a:lstStyle/>
+          <a:p>
+            <a:pPr algn="ctr"/>
+            <a:endParaRPr lang="en-US"/>
+          </a:p>
+        </p:txBody>
+      </p:sp>
+    </p:spTree>
+    <p:extLst>
+      <p:ext uri="{BB962C8B-B14F-4D97-AF65-F5344CB8AC3E}">
+        <p14:creationId xmlns:p14="http://schemas.microsoft.com/office/powerpoint/2010/main" val="1493597922"/>
+      </p:ext>
+    </p:extLst>
+  </p:cSld>
+  <p:clrMapOvr>
+    <a:masterClrMapping/>
+  </p:clrMapOvr>
+</p:sld>
+</file>
+
 <file path=ppt/theme/theme1.xml><?xml version="1.0" encoding="utf-8"?>
 <a:theme xmlns:a="http://schemas.openxmlformats.org/drawingml/2006/main" name="Office-tema">
   <a:themeElements>
